--- a/projet.pptx
+++ b/projet.pptx
@@ -15,8 +15,9 @@
     <p:sldId id="274" r:id="rId9"/>
     <p:sldId id="273" r:id="rId10"/>
     <p:sldId id="260" r:id="rId11"/>
-    <p:sldId id="270" r:id="rId12"/>
-    <p:sldId id="261" r:id="rId13"/>
+    <p:sldId id="275" r:id="rId12"/>
+    <p:sldId id="270" r:id="rId13"/>
+    <p:sldId id="261" r:id="rId14"/>
   </p:sldIdLst>
   <p:sldSz cx="9144000" cy="6858000" type="screen4x3"/>
   <p:notesSz cx="6858000" cy="9144000"/>
@@ -585,7 +586,7 @@
           <a:p>
             <a:fld id="{5BCAD085-E8A6-8845-BD4E-CB4CCA059FC4}" type="datetimeFigureOut">
               <a:rPr lang="en-US" smtClean="0"/>
-              <a:t>10/28/2025</a:t>
+              <a:t>11/19/2025</a:t>
             </a:fld>
             <a:endParaRPr lang="en-US"/>
           </a:p>
@@ -917,7 +918,7 @@
           <a:p>
             <a:fld id="{5BCAD085-E8A6-8845-BD4E-CB4CCA059FC4}" type="datetimeFigureOut">
               <a:rPr lang="en-US" smtClean="0"/>
-              <a:t>10/28/2025</a:t>
+              <a:t>11/19/2025</a:t>
             </a:fld>
             <a:endParaRPr lang="en-US"/>
           </a:p>
@@ -1113,7 +1114,7 @@
           <a:p>
             <a:fld id="{5BCAD085-E8A6-8845-BD4E-CB4CCA059FC4}" type="datetimeFigureOut">
               <a:rPr lang="en-US" smtClean="0"/>
-              <a:t>10/28/2025</a:t>
+              <a:t>11/19/2025</a:t>
             </a:fld>
             <a:endParaRPr lang="en-US"/>
           </a:p>
@@ -1383,7 +1384,7 @@
           <a:p>
             <a:fld id="{5BCAD085-E8A6-8845-BD4E-CB4CCA059FC4}" type="datetimeFigureOut">
               <a:rPr lang="en-US" smtClean="0"/>
-              <a:t>10/28/2025</a:t>
+              <a:t>11/19/2025</a:t>
             </a:fld>
             <a:endParaRPr lang="en-US"/>
           </a:p>
@@ -1811,7 +1812,7 @@
           <a:p>
             <a:fld id="{5BCAD085-E8A6-8845-BD4E-CB4CCA059FC4}" type="datetimeFigureOut">
               <a:rPr lang="en-US" smtClean="0"/>
-              <a:t>10/28/2025</a:t>
+              <a:t>11/19/2025</a:t>
             </a:fld>
             <a:endParaRPr lang="en-US"/>
           </a:p>
@@ -2361,7 +2362,7 @@
           <a:p>
             <a:fld id="{5BCAD085-E8A6-8845-BD4E-CB4CCA059FC4}" type="datetimeFigureOut">
               <a:rPr lang="en-US" smtClean="0"/>
-              <a:t>10/28/2025</a:t>
+              <a:t>11/19/2025</a:t>
             </a:fld>
             <a:endParaRPr lang="en-US"/>
           </a:p>
@@ -3151,7 +3152,7 @@
           <a:p>
             <a:fld id="{5BCAD085-E8A6-8845-BD4E-CB4CCA059FC4}" type="datetimeFigureOut">
               <a:rPr lang="en-US" smtClean="0"/>
-              <a:t>10/28/2025</a:t>
+              <a:t>11/19/2025</a:t>
             </a:fld>
             <a:endParaRPr lang="en-US"/>
           </a:p>
@@ -3330,7 +3331,7 @@
           <a:p>
             <a:fld id="{5BCAD085-E8A6-8845-BD4E-CB4CCA059FC4}" type="datetimeFigureOut">
               <a:rPr lang="en-US" smtClean="0"/>
-              <a:t>10/28/2025</a:t>
+              <a:t>11/19/2025</a:t>
             </a:fld>
             <a:endParaRPr lang="en-US"/>
           </a:p>
@@ -3514,7 +3515,7 @@
           <a:p>
             <a:fld id="{5BCAD085-E8A6-8845-BD4E-CB4CCA059FC4}" type="datetimeFigureOut">
               <a:rPr lang="en-US" smtClean="0"/>
-              <a:t>10/28/2025</a:t>
+              <a:t>11/19/2025</a:t>
             </a:fld>
             <a:endParaRPr lang="en-US"/>
           </a:p>
@@ -3702,7 +3703,7 @@
           <a:p>
             <a:fld id="{5BCAD085-E8A6-8845-BD4E-CB4CCA059FC4}" type="datetimeFigureOut">
               <a:rPr lang="en-US" smtClean="0"/>
-              <a:t>10/28/2025</a:t>
+              <a:t>11/19/2025</a:t>
             </a:fld>
             <a:endParaRPr lang="en-US"/>
           </a:p>
@@ -3889,7 +3890,7 @@
           <a:p>
             <a:fld id="{5BCAD085-E8A6-8845-BD4E-CB4CCA059FC4}" type="datetimeFigureOut">
               <a:rPr lang="en-US" smtClean="0"/>
-              <a:t>10/28/2025</a:t>
+              <a:t>11/19/2025</a:t>
             </a:fld>
             <a:endParaRPr lang="en-US"/>
           </a:p>
@@ -4139,7 +4140,7 @@
           <a:p>
             <a:fld id="{5BCAD085-E8A6-8845-BD4E-CB4CCA059FC4}" type="datetimeFigureOut">
               <a:rPr lang="en-US" smtClean="0"/>
-              <a:t>10/28/2025</a:t>
+              <a:t>11/19/2025</a:t>
             </a:fld>
             <a:endParaRPr lang="en-US"/>
           </a:p>
@@ -4376,7 +4377,7 @@
           <a:p>
             <a:fld id="{5BCAD085-E8A6-8845-BD4E-CB4CCA059FC4}" type="datetimeFigureOut">
               <a:rPr lang="en-US" smtClean="0"/>
-              <a:t>10/28/2025</a:t>
+              <a:t>11/19/2025</a:t>
             </a:fld>
             <a:endParaRPr lang="en-US"/>
           </a:p>
@@ -4761,7 +4762,7 @@
           <a:p>
             <a:fld id="{5BCAD085-E8A6-8845-BD4E-CB4CCA059FC4}" type="datetimeFigureOut">
               <a:rPr lang="en-US" smtClean="0"/>
-              <a:t>10/28/2025</a:t>
+              <a:t>11/19/2025</a:t>
             </a:fld>
             <a:endParaRPr lang="en-US"/>
           </a:p>
@@ -4879,7 +4880,7 @@
           <a:p>
             <a:fld id="{5BCAD085-E8A6-8845-BD4E-CB4CCA059FC4}" type="datetimeFigureOut">
               <a:rPr lang="en-US" smtClean="0"/>
-              <a:t>10/28/2025</a:t>
+              <a:t>11/19/2025</a:t>
             </a:fld>
             <a:endParaRPr lang="en-US"/>
           </a:p>
@@ -4974,7 +4975,7 @@
           <a:p>
             <a:fld id="{5BCAD085-E8A6-8845-BD4E-CB4CCA059FC4}" type="datetimeFigureOut">
               <a:rPr lang="en-US" smtClean="0"/>
-              <a:t>10/28/2025</a:t>
+              <a:t>11/19/2025</a:t>
             </a:fld>
             <a:endParaRPr lang="en-US"/>
           </a:p>
@@ -5227,7 +5228,7 @@
           <a:p>
             <a:fld id="{5BCAD085-E8A6-8845-BD4E-CB4CCA059FC4}" type="datetimeFigureOut">
               <a:rPr lang="en-US" smtClean="0"/>
-              <a:t>10/28/2025</a:t>
+              <a:t>11/19/2025</a:t>
             </a:fld>
             <a:endParaRPr lang="en-US"/>
           </a:p>
@@ -5496,7 +5497,7 @@
           <a:p>
             <a:fld id="{5BCAD085-E8A6-8845-BD4E-CB4CCA059FC4}" type="datetimeFigureOut">
               <a:rPr lang="en-US" smtClean="0"/>
-              <a:t>10/28/2025</a:t>
+              <a:t>11/19/2025</a:t>
             </a:fld>
             <a:endParaRPr lang="en-US"/>
           </a:p>
@@ -5899,7 +5900,7 @@
           <a:p>
             <a:fld id="{5BCAD085-E8A6-8845-BD4E-CB4CCA059FC4}" type="datetimeFigureOut">
               <a:rPr lang="en-US" smtClean="0"/>
-              <a:t>10/28/2025</a:t>
+              <a:t>11/19/2025</a:t>
             </a:fld>
             <a:endParaRPr lang="en-US"/>
           </a:p>
@@ -6518,7 +6519,12 @@
             <p:ph idx="1"/>
           </p:nvPr>
         </p:nvSpPr>
-        <p:spPr/>
+        <p:spPr>
+          <a:xfrm>
+            <a:off x="514351" y="1453896"/>
+            <a:ext cx="7797662" cy="4123944"/>
+          </a:xfrm>
+        </p:spPr>
         <p:txBody>
           <a:bodyPr>
             <a:normAutofit/>
@@ -6533,92 +6539,165 @@
                 <a:latin typeface="Arial" panose="020B0604020202020204" pitchFamily="34" charset="0"/>
                 <a:cs typeface="Arial" panose="020B0604020202020204" pitchFamily="34" charset="0"/>
               </a:rPr>
-              <a:t>Pour la 2</a:t>
-            </a:r>
-            <a:r>
-              <a:rPr lang="fr-CA" sz="1300" cap="none" baseline="30000" dirty="0">
+              <a:t>Pour la communication, le cadenas envoie le temps que la personne a pris pour le déverrouiller. Le serveur reçoit, affiche et garde dans un fichier le record et les 10 dernières tentatives.</a:t>
+            </a:r>
+          </a:p>
+          <a:p>
+            <a:pPr marL="0" indent="0">
+              <a:buNone/>
+            </a:pPr>
+            <a:r>
+              <a:rPr lang="fr-CA" sz="1300" cap="none" dirty="0">
                 <a:latin typeface="Arial" panose="020B0604020202020204" pitchFamily="34" charset="0"/>
                 <a:cs typeface="Arial" panose="020B0604020202020204" pitchFamily="34" charset="0"/>
               </a:rPr>
-              <a:t>ième</a:t>
+              <a:t>Dans l’énigme ont pourrait utiliser ça pour ajouter une difficulté supplémentaire </a:t>
+            </a:r>
+          </a:p>
+          <a:p>
+            <a:pPr marL="0" indent="0">
+              <a:buNone/>
+            </a:pPr>
+            <a:r>
+              <a:rPr lang="fr-CA" sz="1300" b="1" cap="none" dirty="0">
+                <a:latin typeface="Arial" panose="020B0604020202020204" pitchFamily="34" charset="0"/>
+                <a:cs typeface="Arial" panose="020B0604020202020204" pitchFamily="34" charset="0"/>
+              </a:rPr>
+              <a:t>Exemple</a:t>
             </a:r>
             <a:r>
               <a:rPr lang="fr-CA" sz="1300" cap="none" dirty="0">
                 <a:latin typeface="Arial" panose="020B0604020202020204" pitchFamily="34" charset="0"/>
                 <a:cs typeface="Arial" panose="020B0604020202020204" pitchFamily="34" charset="0"/>
               </a:rPr>
-              <a:t> remise, on connectera le esp32 avec l’ordi via wifi ou USB.</a:t>
-            </a:r>
-          </a:p>
-          <a:p>
-            <a:pPr>
-              <a:buFontTx/>
-              <a:buChar char="-"/>
+              <a:t> : Si tu ne déverrouille pas le cadenas en moins de 5 secondes, tu échoue.</a:t>
+            </a:r>
+          </a:p>
+          <a:p>
+            <a:pPr marL="0" indent="0">
+              <a:buNone/>
             </a:pPr>
             <a:r>
-              <a:rPr lang="fr-CA" sz="1300" cap="none" dirty="0">
+              <a:rPr lang="fr-FR" sz="1300" cap="none" dirty="0">
                 <a:latin typeface="Arial" panose="020B0604020202020204" pitchFamily="34" charset="0"/>
                 <a:cs typeface="Arial" panose="020B0604020202020204" pitchFamily="34" charset="0"/>
               </a:rPr>
-              <a:t>On pourra savoir le temps que prend le joueur pour ouvrir le cadenas à chaque tentative</a:t>
-            </a:r>
-          </a:p>
-          <a:p>
-            <a:pPr>
-              <a:buFontTx/>
-              <a:buChar char="-"/>
+              <a:t>Voici comment la communication fonctionne plus précisément :</a:t>
+            </a:r>
+          </a:p>
+          <a:p>
+            <a:pPr marL="0" indent="0">
+              <a:buNone/>
             </a:pPr>
             <a:r>
-              <a:rPr lang="fr-CA" sz="1300" cap="none" dirty="0">
+              <a:rPr lang="fr-FR" sz="1300" b="1" cap="none" dirty="0">
                 <a:latin typeface="Arial" panose="020B0604020202020204" pitchFamily="34" charset="0"/>
                 <a:cs typeface="Arial" panose="020B0604020202020204" pitchFamily="34" charset="0"/>
               </a:rPr>
-              <a:t>Le nombre de raté</a:t>
-            </a:r>
-          </a:p>
-          <a:p>
-            <a:pPr>
-              <a:buFontTx/>
-              <a:buChar char="-"/>
+              <a:t>ESP32</a:t>
+            </a:r>
+            <a:r>
+              <a:rPr lang="fr-FR" sz="1300" cap="none" dirty="0">
+                <a:latin typeface="Arial" panose="020B0604020202020204" pitchFamily="34" charset="0"/>
+                <a:cs typeface="Arial" panose="020B0604020202020204" pitchFamily="34" charset="0"/>
+              </a:rPr>
+              <a:t> </a:t>
+            </a:r>
+            <a:r>
+              <a:rPr lang="fr-FR" sz="1300" b="1" cap="none" dirty="0">
+                <a:latin typeface="Arial" panose="020B0604020202020204" pitchFamily="34" charset="0"/>
+                <a:cs typeface="Arial" panose="020B0604020202020204" pitchFamily="34" charset="0"/>
+              </a:rPr>
+              <a:t>:	</a:t>
+            </a:r>
+            <a:r>
+              <a:rPr lang="fr-FR" sz="1300" cap="none" dirty="0">
+                <a:latin typeface="Arial" panose="020B0604020202020204" pitchFamily="34" charset="0"/>
+                <a:cs typeface="Arial" panose="020B0604020202020204" pitchFamily="34" charset="0"/>
+              </a:rPr>
+              <a:t>Il se connecte au wifi en lui donnant l’identifiant et mot de passe.</a:t>
+            </a:r>
+          </a:p>
+          <a:p>
+            <a:pPr marL="0" indent="0">
+              <a:buNone/>
             </a:pPr>
             <a:r>
-              <a:rPr lang="fr-CA" sz="1300" cap="none" dirty="0">
+              <a:rPr lang="fr-FR" sz="1300" cap="none" dirty="0">
                 <a:latin typeface="Arial" panose="020B0604020202020204" pitchFamily="34" charset="0"/>
                 <a:cs typeface="Arial" panose="020B0604020202020204" pitchFamily="34" charset="0"/>
               </a:rPr>
-              <a:t>Peut-être une liste de tous les essais (ou seulement le dernier)</a:t>
-            </a:r>
-          </a:p>
-          <a:p>
-            <a:pPr>
-              <a:buFontTx/>
-              <a:buChar char="-"/>
+              <a:t>	Ensuite il se connecte à l’ordinateur avec l’adresse IP et le port du serveur.</a:t>
+            </a:r>
+          </a:p>
+          <a:p>
+            <a:pPr marL="0" indent="0">
+              <a:buNone/>
             </a:pPr>
-            <a:endParaRPr lang="fr-CA" sz="1300" cap="none" dirty="0">
-              <a:latin typeface="Arial" panose="020B0604020202020204" pitchFamily="34" charset="0"/>
-              <a:cs typeface="Arial" panose="020B0604020202020204" pitchFamily="34" charset="0"/>
-            </a:endParaRPr>
+            <a:r>
+              <a:rPr lang="fr-FR" sz="1300" cap="none" dirty="0">
+                <a:latin typeface="Arial" panose="020B0604020202020204" pitchFamily="34" charset="0"/>
+                <a:cs typeface="Arial" panose="020B0604020202020204" pitchFamily="34" charset="0"/>
+              </a:rPr>
+              <a:t>	Il peut par la suite envoyé le temps pour déverrouiller.</a:t>
+            </a:r>
           </a:p>
           <a:p>
             <a:pPr marL="0" indent="0">
               <a:buNone/>
             </a:pPr>
             <a:r>
-              <a:rPr lang="fr-CA" sz="1300" cap="none" dirty="0">
+              <a:rPr lang="fr-FR" sz="1300" b="1" cap="none" dirty="0">
                 <a:latin typeface="Arial" panose="020B0604020202020204" pitchFamily="34" charset="0"/>
                 <a:cs typeface="Arial" panose="020B0604020202020204" pitchFamily="34" charset="0"/>
               </a:rPr>
-              <a:t>On affichera ça sur l’ordinateur en temps réel</a:t>
+              <a:t>Serveur</a:t>
+            </a:r>
+            <a:r>
+              <a:rPr lang="fr-FR" sz="1300" cap="none" dirty="0">
+                <a:latin typeface="Arial" panose="020B0604020202020204" pitchFamily="34" charset="0"/>
+                <a:cs typeface="Arial" panose="020B0604020202020204" pitchFamily="34" charset="0"/>
+              </a:rPr>
+              <a:t> </a:t>
+            </a:r>
+            <a:r>
+              <a:rPr lang="fr-FR" sz="1300" b="1" cap="none" dirty="0">
+                <a:latin typeface="Arial" panose="020B0604020202020204" pitchFamily="34" charset="0"/>
+                <a:cs typeface="Arial" panose="020B0604020202020204" pitchFamily="34" charset="0"/>
+              </a:rPr>
+              <a:t>:</a:t>
+            </a:r>
+            <a:r>
+              <a:rPr lang="fr-FR" sz="1300" cap="none" dirty="0">
+                <a:latin typeface="Arial" panose="020B0604020202020204" pitchFamily="34" charset="0"/>
+                <a:cs typeface="Arial" panose="020B0604020202020204" pitchFamily="34" charset="0"/>
+              </a:rPr>
+              <a:t> 	Fonctionne avec Node.js et Express.</a:t>
             </a:r>
           </a:p>
           <a:p>
             <a:pPr marL="0" indent="0">
               <a:buNone/>
             </a:pPr>
-            <a:endParaRPr sz="1300" cap="none" dirty="0">
-              <a:latin typeface="Arial" panose="020B0604020202020204" pitchFamily="34" charset="0"/>
-              <a:cs typeface="Arial" panose="020B0604020202020204" pitchFamily="34" charset="0"/>
-            </a:endParaRPr>
+            <a:r>
+              <a:rPr lang="fr-FR" sz="1300" cap="none" dirty="0">
+                <a:latin typeface="Arial" panose="020B0604020202020204" pitchFamily="34" charset="0"/>
+                <a:cs typeface="Arial" panose="020B0604020202020204" pitchFamily="34" charset="0"/>
+              </a:rPr>
+              <a:t>	Il faut simplement mettre l’adresse IP et le port.</a:t>
+            </a:r>
+          </a:p>
+          <a:p>
+            <a:pPr marL="0" indent="0">
+              <a:buNone/>
+            </a:pPr>
+            <a:r>
+              <a:rPr lang="fr-FR" sz="1300" cap="none" dirty="0">
+                <a:latin typeface="Arial" panose="020B0604020202020204" pitchFamily="34" charset="0"/>
+                <a:cs typeface="Arial" panose="020B0604020202020204" pitchFamily="34" charset="0"/>
+              </a:rPr>
+              <a:t>	Finalement, on affiche dans une page web les éléments reçus.</a:t>
+            </a:r>
           </a:p>
         </p:txBody>
       </p:sp>
@@ -6635,7 +6714,13 @@
   <p:cSld>
     <p:spTree>
       <p:nvGrpSpPr>
-        <p:cNvPr id="1" name=""/>
+        <p:cNvPr id="1" name="">
+          <a:extLst>
+            <a:ext uri="{FF2B5EF4-FFF2-40B4-BE49-F238E27FC236}">
+              <a16:creationId xmlns:a16="http://schemas.microsoft.com/office/drawing/2014/main" id="{81B9D004-3C17-5AF5-9B8B-4DB450116A10}"/>
+            </a:ext>
+          </a:extLst>
+        </p:cNvPr>
         <p:cNvGrpSpPr/>
         <p:nvPr/>
       </p:nvGrpSpPr>
@@ -6649,10 +6734,10 @@
       </p:grpSpPr>
       <p:sp>
         <p:nvSpPr>
-          <p:cNvPr id="2" name="Titre 1">
+          <p:cNvPr id="2" name="Title 1">
             <a:extLst>
               <a:ext uri="{FF2B5EF4-FFF2-40B4-BE49-F238E27FC236}">
-                <a16:creationId xmlns:a16="http://schemas.microsoft.com/office/drawing/2014/main" id="{4605756B-CEEA-72EF-DF13-93C7207B91CA}"/>
+                <a16:creationId xmlns:a16="http://schemas.microsoft.com/office/drawing/2014/main" id="{48E77D7C-778D-DF4D-69AE-2F22007E028B}"/>
               </a:ext>
             </a:extLst>
           </p:cNvPr>
@@ -6664,39 +6749,6 @@
           </p:nvPr>
         </p:nvSpPr>
         <p:spPr/>
-        <p:txBody>
-          <a:bodyPr/>
-          <a:lstStyle/>
-          <a:p>
-            <a:r>
-              <a:rPr lang="fr-CA" sz="4000" dirty="0"/>
-              <a:t>Roadmap (Liste de chose à faire)</a:t>
-            </a:r>
-          </a:p>
-        </p:txBody>
-      </p:sp>
-      <p:sp>
-        <p:nvSpPr>
-          <p:cNvPr id="3" name="Espace réservé du contenu 2">
-            <a:extLst>
-              <a:ext uri="{FF2B5EF4-FFF2-40B4-BE49-F238E27FC236}">
-                <a16:creationId xmlns:a16="http://schemas.microsoft.com/office/drawing/2014/main" id="{BB6CAAAC-67EF-4CF5-1487-8772485B2D5C}"/>
-              </a:ext>
-            </a:extLst>
-          </p:cNvPr>
-          <p:cNvSpPr>
-            <a:spLocks noGrp="1"/>
-          </p:cNvSpPr>
-          <p:nvPr>
-            <p:ph idx="1"/>
-          </p:nvPr>
-        </p:nvSpPr>
-        <p:spPr>
-          <a:xfrm>
-            <a:off x="514351" y="1533044"/>
-            <a:ext cx="7797662" cy="3311189"/>
-          </a:xfrm>
-        </p:spPr>
         <p:txBody>
           <a:bodyPr>
             <a:normAutofit/>
@@ -6704,89 +6756,138 @@
           <a:lstStyle/>
           <a:p>
             <a:r>
-              <a:rPr lang="fr-CA" sz="1300" cap="none" dirty="0">
+              <a:rPr lang="fr-CA" sz="4000" dirty="0"/>
+              <a:t>risques de sécurité et protection</a:t>
+            </a:r>
+            <a:endParaRPr sz="4000" dirty="0"/>
+          </a:p>
+        </p:txBody>
+      </p:sp>
+      <p:sp>
+        <p:nvSpPr>
+          <p:cNvPr id="3" name="Content Placeholder 2">
+            <a:extLst>
+              <a:ext uri="{FF2B5EF4-FFF2-40B4-BE49-F238E27FC236}">
+                <a16:creationId xmlns:a16="http://schemas.microsoft.com/office/drawing/2014/main" id="{70687BB2-92C7-0D35-0C6F-F739C4D21272}"/>
+              </a:ext>
+            </a:extLst>
+          </p:cNvPr>
+          <p:cNvSpPr>
+            <a:spLocks noGrp="1"/>
+          </p:cNvSpPr>
+          <p:nvPr>
+            <p:ph idx="1"/>
+          </p:nvPr>
+        </p:nvSpPr>
+        <p:spPr>
+          <a:xfrm>
+            <a:off x="514351" y="1618488"/>
+            <a:ext cx="7797662" cy="3756097"/>
+          </a:xfrm>
+        </p:spPr>
+        <p:txBody>
+          <a:bodyPr>
+            <a:normAutofit/>
+          </a:bodyPr>
+          <a:lstStyle/>
+          <a:p>
+            <a:pPr marL="0" indent="0">
+              <a:buNone/>
+            </a:pPr>
+            <a:r>
+              <a:rPr lang="fr-FR" sz="1300" b="1" cap="none" dirty="0">
                 <a:latin typeface="Arial" panose="020B0604020202020204" pitchFamily="34" charset="0"/>
                 <a:cs typeface="Arial" panose="020B0604020202020204" pitchFamily="34" charset="0"/>
               </a:rPr>
-              <a:t>Prototype Fonctionnel : joystick, </a:t>
-            </a:r>
-            <a:r>
-              <a:rPr lang="fr-CA" sz="1300" cap="none" dirty="0" err="1">
+              <a:t>Risques : </a:t>
+            </a:r>
+          </a:p>
+          <a:p>
+            <a:pPr marL="0" indent="0">
+              <a:buNone/>
+            </a:pPr>
+            <a:r>
+              <a:rPr lang="fr-FR" sz="1300" cap="none" dirty="0">
                 <a:latin typeface="Arial" panose="020B0604020202020204" pitchFamily="34" charset="0"/>
                 <a:cs typeface="Arial" panose="020B0604020202020204" pitchFamily="34" charset="0"/>
               </a:rPr>
-              <a:t>led</a:t>
-            </a:r>
-            <a:r>
-              <a:rPr lang="fr-CA" sz="1300" cap="none" dirty="0">
+              <a:t>L’ESP32 communique en HTTP, ce qui signifie que les données envoyées peuvent être interceptées et modifié par une personne connectée sur le même Wi-Fi.</a:t>
+            </a:r>
+          </a:p>
+          <a:p>
+            <a:pPr marL="0" indent="0">
+              <a:buNone/>
+            </a:pPr>
+            <a:r>
+              <a:rPr lang="fr-FR" sz="1300" cap="none" dirty="0">
                 <a:latin typeface="Arial" panose="020B0604020202020204" pitchFamily="34" charset="0"/>
                 <a:cs typeface="Arial" panose="020B0604020202020204" pitchFamily="34" charset="0"/>
               </a:rPr>
-              <a:t>, buzzer, écran </a:t>
-            </a:r>
-            <a:r>
-              <a:rPr lang="fr-CA" sz="1300" cap="none" dirty="0" err="1">
+              <a:t>Il pourrait aussi avoir des attaques </a:t>
+            </a:r>
+            <a:r>
+              <a:rPr lang="fr-FR" sz="1300" cap="none" dirty="0" err="1">
                 <a:latin typeface="Arial" panose="020B0604020202020204" pitchFamily="34" charset="0"/>
                 <a:cs typeface="Arial" panose="020B0604020202020204" pitchFamily="34" charset="0"/>
               </a:rPr>
-              <a:t>lcd</a:t>
-            </a:r>
-            <a:r>
-              <a:rPr lang="fr-CA" sz="1300" cap="none" dirty="0">
+              <a:t>DoS</a:t>
+            </a:r>
+            <a:r>
+              <a:rPr lang="fr-FR" sz="1300" cap="none" dirty="0">
                 <a:latin typeface="Arial" panose="020B0604020202020204" pitchFamily="34" charset="0"/>
                 <a:cs typeface="Arial" panose="020B0604020202020204" pitchFamily="34" charset="0"/>
               </a:rPr>
-              <a:t> = terminé</a:t>
-            </a:r>
-          </a:p>
-          <a:p>
-            <a:r>
-              <a:rPr lang="fr-CA" sz="1300" cap="none" dirty="0">
+              <a:t> local pour spammer /</a:t>
+            </a:r>
+            <a:r>
+              <a:rPr lang="fr-FR" sz="1300" cap="none" dirty="0" err="1">
                 <a:latin typeface="Arial" panose="020B0604020202020204" pitchFamily="34" charset="0"/>
                 <a:cs typeface="Arial" panose="020B0604020202020204" pitchFamily="34" charset="0"/>
               </a:rPr>
-              <a:t>Code fonctionnel = terminé</a:t>
-            </a:r>
-          </a:p>
-          <a:p>
-            <a:r>
-              <a:rPr lang="fr-CA" sz="1300" cap="none" dirty="0">
+              <a:t>submit</a:t>
+            </a:r>
+            <a:r>
+              <a:rPr lang="fr-FR" sz="1300" cap="none" dirty="0">
                 <a:latin typeface="Arial" panose="020B0604020202020204" pitchFamily="34" charset="0"/>
                 <a:cs typeface="Arial" panose="020B0604020202020204" pitchFamily="34" charset="0"/>
               </a:rPr>
-              <a:t>Configurer l’écran </a:t>
-            </a:r>
-            <a:r>
-              <a:rPr lang="fr-CA" sz="1300" cap="none" dirty="0" err="1">
+              <a:t> ou /reset et rendre le tableau de bord inutilisable (Si une personne réussie à se connecter au même wifi).</a:t>
+            </a:r>
+          </a:p>
+          <a:p>
+            <a:pPr marL="0" indent="0">
+              <a:buNone/>
+            </a:pPr>
+            <a:r>
+              <a:rPr lang="fr-FR" sz="1300" b="1" cap="none" dirty="0">
                 <a:latin typeface="Arial" panose="020B0604020202020204" pitchFamily="34" charset="0"/>
                 <a:cs typeface="Arial" panose="020B0604020202020204" pitchFamily="34" charset="0"/>
               </a:rPr>
-              <a:t>lcd</a:t>
-            </a:r>
-            <a:r>
-              <a:rPr lang="fr-CA" sz="1300" cap="none" dirty="0">
+              <a:t>Protection :</a:t>
+            </a:r>
+          </a:p>
+          <a:p>
+            <a:pPr marL="0" indent="0">
+              <a:buNone/>
+            </a:pPr>
+            <a:r>
+              <a:rPr lang="fr-FR" sz="1300" cap="none" dirty="0">
                 <a:latin typeface="Arial" panose="020B0604020202020204" pitchFamily="34" charset="0"/>
                 <a:cs typeface="Arial" panose="020B0604020202020204" pitchFamily="34" charset="0"/>
               </a:rPr>
-              <a:t> pour un affichage propre = terminé</a:t>
-            </a:r>
-          </a:p>
-          <a:p>
-            <a:r>
-              <a:rPr lang="fr-CA" sz="1300" cap="none" dirty="0">
+              <a:t>Le serveur n’est pas sur internet il est en local, ce qui limite les risques à l’intérieur du wifi.</a:t>
+            </a:r>
+          </a:p>
+          <a:p>
+            <a:pPr marL="0" indent="0">
+              <a:buNone/>
+            </a:pPr>
+            <a:r>
+              <a:rPr lang="fr-FR" sz="1300" cap="none" dirty="0">
                 <a:latin typeface="Arial" panose="020B0604020202020204" pitchFamily="34" charset="0"/>
                 <a:cs typeface="Arial" panose="020B0604020202020204" pitchFamily="34" charset="0"/>
               </a:rPr>
-              <a:t>Création du tableau de bord sur ordi = à faire</a:t>
-            </a:r>
-          </a:p>
-          <a:p>
-            <a:r>
-              <a:rPr lang="fr-CA" sz="1300" cap="none" dirty="0">
-                <a:latin typeface="Arial" panose="020B0604020202020204" pitchFamily="34" charset="0"/>
-                <a:cs typeface="Arial" panose="020B0604020202020204" pitchFamily="34" charset="0"/>
-              </a:rPr>
-              <a:t>Communication avec wifi = à faire</a:t>
+              <a:t>Le réseau wifi est protégé par un mot de passe ce qui réduit aussi les accès et protège le réseau contre les attaques internes.</a:t>
             </a:r>
           </a:p>
         </p:txBody>
@@ -6794,7 +6895,7 @@
     </p:spTree>
     <p:extLst>
       <p:ext uri="{BB962C8B-B14F-4D97-AF65-F5344CB8AC3E}">
-        <p14:creationId xmlns:p14="http://schemas.microsoft.com/office/powerpoint/2010/main" val="221990214"/>
+        <p14:creationId xmlns:p14="http://schemas.microsoft.com/office/powerpoint/2010/main" val="2827365895"/>
       </p:ext>
     </p:extLst>
   </p:cSld>
@@ -6823,7 +6924,13 @@
       </p:grpSpPr>
       <p:sp>
         <p:nvSpPr>
-          <p:cNvPr id="2" name="Title 1"/>
+          <p:cNvPr id="2" name="Titre 1">
+            <a:extLst>
+              <a:ext uri="{FF2B5EF4-FFF2-40B4-BE49-F238E27FC236}">
+                <a16:creationId xmlns:a16="http://schemas.microsoft.com/office/drawing/2014/main" id="{4605756B-CEEA-72EF-DF13-93C7207B91CA}"/>
+              </a:ext>
+            </a:extLst>
+          </p:cNvPr>
           <p:cNvSpPr>
             <a:spLocks noGrp="1"/>
           </p:cNvSpPr>
@@ -6837,24 +6944,21 @@
           <a:lstStyle/>
           <a:p>
             <a:r>
-              <a:rPr sz="4000" dirty="0"/>
-              <a:t>Introduction aux </a:t>
-            </a:r>
-            <a:r>
-              <a:rPr sz="4000" dirty="0" err="1"/>
-              <a:t>annexe</a:t>
-            </a:r>
-            <a:r>
               <a:rPr lang="fr-CA" sz="4000" dirty="0"/>
-              <a:t>s</a:t>
-            </a:r>
-            <a:endParaRPr sz="4000" dirty="0"/>
-          </a:p>
-        </p:txBody>
-      </p:sp>
-      <p:sp>
-        <p:nvSpPr>
-          <p:cNvPr id="3" name="Content Placeholder 2"/>
+              <a:t>Roadmap (Liste de chose à faire)</a:t>
+            </a:r>
+          </a:p>
+        </p:txBody>
+      </p:sp>
+      <p:sp>
+        <p:nvSpPr>
+          <p:cNvPr id="3" name="Espace réservé du contenu 2">
+            <a:extLst>
+              <a:ext uri="{FF2B5EF4-FFF2-40B4-BE49-F238E27FC236}">
+                <a16:creationId xmlns:a16="http://schemas.microsoft.com/office/drawing/2014/main" id="{BB6CAAAC-67EF-4CF5-1487-8772485B2D5C}"/>
+              </a:ext>
+            </a:extLst>
+          </p:cNvPr>
           <p:cNvSpPr>
             <a:spLocks noGrp="1"/>
           </p:cNvSpPr>
@@ -6864,8 +6968,8 @@
         </p:nvSpPr>
         <p:spPr>
           <a:xfrm>
-            <a:off x="514351" y="1837766"/>
-            <a:ext cx="7797662" cy="2188564"/>
+            <a:off x="514351" y="1533044"/>
+            <a:ext cx="7797662" cy="3311189"/>
           </a:xfrm>
         </p:spPr>
         <p:txBody>
@@ -6874,6 +6978,177 @@
           </a:bodyPr>
           <a:lstStyle/>
           <a:p>
+            <a:r>
+              <a:rPr lang="fr-CA" sz="1300" cap="none" dirty="0">
+                <a:latin typeface="Arial" panose="020B0604020202020204" pitchFamily="34" charset="0"/>
+                <a:cs typeface="Arial" panose="020B0604020202020204" pitchFamily="34" charset="0"/>
+              </a:rPr>
+              <a:t>Prototype Fonctionnel : joystick, </a:t>
+            </a:r>
+            <a:r>
+              <a:rPr lang="fr-CA" sz="1300" cap="none" dirty="0" err="1">
+                <a:latin typeface="Arial" panose="020B0604020202020204" pitchFamily="34" charset="0"/>
+                <a:cs typeface="Arial" panose="020B0604020202020204" pitchFamily="34" charset="0"/>
+              </a:rPr>
+              <a:t>led</a:t>
+            </a:r>
+            <a:r>
+              <a:rPr lang="fr-CA" sz="1300" cap="none" dirty="0">
+                <a:latin typeface="Arial" panose="020B0604020202020204" pitchFamily="34" charset="0"/>
+                <a:cs typeface="Arial" panose="020B0604020202020204" pitchFamily="34" charset="0"/>
+              </a:rPr>
+              <a:t>, buzzer, écran </a:t>
+            </a:r>
+            <a:r>
+              <a:rPr lang="fr-CA" sz="1300" cap="none" dirty="0" err="1">
+                <a:latin typeface="Arial" panose="020B0604020202020204" pitchFamily="34" charset="0"/>
+                <a:cs typeface="Arial" panose="020B0604020202020204" pitchFamily="34" charset="0"/>
+              </a:rPr>
+              <a:t>lcd</a:t>
+            </a:r>
+            <a:r>
+              <a:rPr lang="fr-CA" sz="1300" cap="none" dirty="0">
+                <a:latin typeface="Arial" panose="020B0604020202020204" pitchFamily="34" charset="0"/>
+                <a:cs typeface="Arial" panose="020B0604020202020204" pitchFamily="34" charset="0"/>
+              </a:rPr>
+              <a:t> = terminé</a:t>
+            </a:r>
+          </a:p>
+          <a:p>
+            <a:r>
+              <a:rPr lang="fr-CA" sz="1300" cap="none" dirty="0">
+                <a:latin typeface="Arial" panose="020B0604020202020204" pitchFamily="34" charset="0"/>
+                <a:cs typeface="Arial" panose="020B0604020202020204" pitchFamily="34" charset="0"/>
+              </a:rPr>
+              <a:t>Code fonctionnel = terminé</a:t>
+            </a:r>
+          </a:p>
+          <a:p>
+            <a:r>
+              <a:rPr lang="fr-CA" sz="1300" cap="none" dirty="0">
+                <a:latin typeface="Arial" panose="020B0604020202020204" pitchFamily="34" charset="0"/>
+                <a:cs typeface="Arial" panose="020B0604020202020204" pitchFamily="34" charset="0"/>
+              </a:rPr>
+              <a:t>Configurer l’écran </a:t>
+            </a:r>
+            <a:r>
+              <a:rPr lang="fr-CA" sz="1300" cap="none" dirty="0" err="1">
+                <a:latin typeface="Arial" panose="020B0604020202020204" pitchFamily="34" charset="0"/>
+                <a:cs typeface="Arial" panose="020B0604020202020204" pitchFamily="34" charset="0"/>
+              </a:rPr>
+              <a:t>lcd</a:t>
+            </a:r>
+            <a:r>
+              <a:rPr lang="fr-CA" sz="1300" cap="none" dirty="0">
+                <a:latin typeface="Arial" panose="020B0604020202020204" pitchFamily="34" charset="0"/>
+                <a:cs typeface="Arial" panose="020B0604020202020204" pitchFamily="34" charset="0"/>
+              </a:rPr>
+              <a:t> pour un affichage propre = terminé</a:t>
+            </a:r>
+          </a:p>
+          <a:p>
+            <a:r>
+              <a:rPr lang="fr-CA" sz="1300" cap="none" dirty="0">
+                <a:latin typeface="Arial" panose="020B0604020202020204" pitchFamily="34" charset="0"/>
+                <a:cs typeface="Arial" panose="020B0604020202020204" pitchFamily="34" charset="0"/>
+              </a:rPr>
+              <a:t>Création du tableau de bord sur ordi = terminé</a:t>
+            </a:r>
+          </a:p>
+          <a:p>
+            <a:r>
+              <a:rPr lang="fr-CA" sz="1300" cap="none" dirty="0">
+                <a:latin typeface="Arial" panose="020B0604020202020204" pitchFamily="34" charset="0"/>
+                <a:cs typeface="Arial" panose="020B0604020202020204" pitchFamily="34" charset="0"/>
+              </a:rPr>
+              <a:t>Communication avec wifi = terminé</a:t>
+            </a:r>
+          </a:p>
+        </p:txBody>
+      </p:sp>
+    </p:spTree>
+    <p:extLst>
+      <p:ext uri="{BB962C8B-B14F-4D97-AF65-F5344CB8AC3E}">
+        <p14:creationId xmlns:p14="http://schemas.microsoft.com/office/powerpoint/2010/main" val="221990214"/>
+      </p:ext>
+    </p:extLst>
+  </p:cSld>
+  <p:clrMapOvr>
+    <a:masterClrMapping/>
+  </p:clrMapOvr>
+</p:sld>
+</file>
+
+<file path=ppt/slides/slide13.xml><?xml version="1.0" encoding="utf-8"?>
+<p:sld xmlns:a="http://schemas.openxmlformats.org/drawingml/2006/main" xmlns:r="http://schemas.openxmlformats.org/officeDocument/2006/relationships" xmlns:p="http://schemas.openxmlformats.org/presentationml/2006/main">
+  <p:cSld>
+    <p:spTree>
+      <p:nvGrpSpPr>
+        <p:cNvPr id="1" name=""/>
+        <p:cNvGrpSpPr/>
+        <p:nvPr/>
+      </p:nvGrpSpPr>
+      <p:grpSpPr>
+        <a:xfrm>
+          <a:off x="0" y="0"/>
+          <a:ext cx="0" cy="0"/>
+          <a:chOff x="0" y="0"/>
+          <a:chExt cx="0" cy="0"/>
+        </a:xfrm>
+      </p:grpSpPr>
+      <p:sp>
+        <p:nvSpPr>
+          <p:cNvPr id="2" name="Title 1"/>
+          <p:cNvSpPr>
+            <a:spLocks noGrp="1"/>
+          </p:cNvSpPr>
+          <p:nvPr>
+            <p:ph type="title"/>
+          </p:nvPr>
+        </p:nvSpPr>
+        <p:spPr/>
+        <p:txBody>
+          <a:bodyPr/>
+          <a:lstStyle/>
+          <a:p>
+            <a:r>
+              <a:rPr sz="4000" dirty="0"/>
+              <a:t>Introduction aux </a:t>
+            </a:r>
+            <a:r>
+              <a:rPr sz="4000" dirty="0" err="1"/>
+              <a:t>annexe</a:t>
+            </a:r>
+            <a:r>
+              <a:rPr lang="fr-CA" sz="4000" dirty="0"/>
+              <a:t>s</a:t>
+            </a:r>
+            <a:endParaRPr sz="4000" dirty="0"/>
+          </a:p>
+        </p:txBody>
+      </p:sp>
+      <p:sp>
+        <p:nvSpPr>
+          <p:cNvPr id="3" name="Content Placeholder 2"/>
+          <p:cNvSpPr>
+            <a:spLocks noGrp="1"/>
+          </p:cNvSpPr>
+          <p:nvPr>
+            <p:ph idx="1"/>
+          </p:nvPr>
+        </p:nvSpPr>
+        <p:spPr>
+          <a:xfrm>
+            <a:off x="514351" y="1837765"/>
+            <a:ext cx="7797662" cy="3182469"/>
+          </a:xfrm>
+        </p:spPr>
+        <p:txBody>
+          <a:bodyPr>
+            <a:normAutofit/>
+          </a:bodyPr>
+          <a:lstStyle/>
+          <a:p>
             <a:pPr marL="0" indent="0">
               <a:buNone/>
             </a:pPr>
@@ -6889,7 +7164,19 @@
                 <a:latin typeface="Arial" panose="020B0604020202020204" pitchFamily="34" charset="0"/>
                 <a:cs typeface="Arial" panose="020B0604020202020204" pitchFamily="34" charset="0"/>
               </a:rPr>
-              <a:t> : dossier cadenas</a:t>
+              <a:t> : </a:t>
+            </a:r>
+          </a:p>
+          <a:p>
+            <a:pPr marL="0" indent="0">
+              <a:buNone/>
+            </a:pPr>
+            <a:r>
+              <a:rPr lang="fr-CA" sz="1300" b="1" cap="none" dirty="0">
+                <a:latin typeface="Arial" panose="020B0604020202020204" pitchFamily="34" charset="0"/>
+                <a:cs typeface="Arial" panose="020B0604020202020204" pitchFamily="34" charset="0"/>
+              </a:rPr>
+              <a:t>dossier cadenas</a:t>
             </a:r>
             <a:br>
               <a:rPr lang="fr-CA" sz="1300" cap="none" dirty="0">
@@ -6917,6 +7204,66 @@
                 <a:cs typeface="Arial" panose="020B0604020202020204" pitchFamily="34" charset="0"/>
               </a:rPr>
               <a:t>), README.md.</a:t>
+            </a:r>
+          </a:p>
+          <a:p>
+            <a:pPr marL="0" indent="0">
+              <a:buNone/>
+            </a:pPr>
+            <a:r>
+              <a:rPr lang="fr-CA" sz="1300" b="1" cap="none" dirty="0">
+                <a:latin typeface="Arial" panose="020B0604020202020204" pitchFamily="34" charset="0"/>
+                <a:cs typeface="Arial" panose="020B0604020202020204" pitchFamily="34" charset="0"/>
+              </a:rPr>
+              <a:t>dossier </a:t>
+            </a:r>
+            <a:r>
+              <a:rPr lang="fr-CA" sz="1300" b="1" cap="none" dirty="0" err="1">
+                <a:latin typeface="Arial" panose="020B0604020202020204" pitchFamily="34" charset="0"/>
+                <a:cs typeface="Arial" panose="020B0604020202020204" pitchFamily="34" charset="0"/>
+              </a:rPr>
+              <a:t>serveurObjet</a:t>
+            </a:r>
+            <a:br>
+              <a:rPr lang="fr-CA" sz="1300" cap="none" dirty="0">
+                <a:latin typeface="Arial" panose="020B0604020202020204" pitchFamily="34" charset="0"/>
+                <a:cs typeface="Arial" panose="020B0604020202020204" pitchFamily="34" charset="0"/>
+              </a:rPr>
+            </a:br>
+            <a:r>
+              <a:rPr lang="fr-CA" sz="1300" cap="none" dirty="0">
+                <a:latin typeface="Arial" panose="020B0604020202020204" pitchFamily="34" charset="0"/>
+                <a:cs typeface="Arial" panose="020B0604020202020204" pitchFamily="34" charset="0"/>
+              </a:rPr>
+              <a:t>Contenu: server.js, index.html, style.css, </a:t>
+            </a:r>
+            <a:r>
+              <a:rPr lang="fr-CA" sz="1300" cap="none" dirty="0" err="1">
+                <a:latin typeface="Arial" panose="020B0604020202020204" pitchFamily="34" charset="0"/>
+                <a:cs typeface="Arial" panose="020B0604020202020204" pitchFamily="34" charset="0"/>
+              </a:rPr>
+              <a:t>data.json</a:t>
+            </a:r>
+            <a:r>
+              <a:rPr lang="fr-CA" sz="1300" cap="none" dirty="0">
+                <a:latin typeface="Arial" panose="020B0604020202020204" pitchFamily="34" charset="0"/>
+                <a:cs typeface="Arial" panose="020B0604020202020204" pitchFamily="34" charset="0"/>
+              </a:rPr>
+              <a:t>, </a:t>
+            </a:r>
+            <a:r>
+              <a:rPr lang="fr-CA" sz="1300" cap="none" dirty="0" err="1">
+                <a:latin typeface="Arial" panose="020B0604020202020204" pitchFamily="34" charset="0"/>
+                <a:cs typeface="Arial" panose="020B0604020202020204" pitchFamily="34" charset="0"/>
+              </a:rPr>
+              <a:t>package.json</a:t>
+            </a:r>
+            <a:r>
+              <a:rPr lang="fr-CA" sz="1300" cap="none" dirty="0">
+                <a:latin typeface="Arial" panose="020B0604020202020204" pitchFamily="34" charset="0"/>
+                <a:cs typeface="Arial" panose="020B0604020202020204" pitchFamily="34" charset="0"/>
+              </a:rPr>
+              <a:t>, README.md.</a:t>
             </a:r>
           </a:p>
           <a:p>
@@ -6952,54 +7299,17 @@
                 <a:cs typeface="Arial" panose="020B0604020202020204" pitchFamily="34" charset="0"/>
                 <a:hlinkClick r:id="rId2"/>
               </a:rPr>
-              <a:t>https://youtube.com/shorts/OMDebcLvBGg?feature=share</a:t>
+              <a:t>https://www.youtube.com/watch?v</a:t>
+            </a:r>
+            <a:r>
+              <a:rPr lang="fr-CA" sz="1300" cap="none">
+                <a:latin typeface="Arial" panose="020B0604020202020204" pitchFamily="34" charset="0"/>
+                <a:cs typeface="Arial" panose="020B0604020202020204" pitchFamily="34" charset="0"/>
+                <a:hlinkClick r:id="rId2"/>
+              </a:rPr>
+              <a:t>=vFxJ0kT0aP4</a:t>
             </a:r>
             <a:endParaRPr lang="fr-CA" sz="1300" cap="none" dirty="0">
-              <a:latin typeface="Arial" panose="020B0604020202020204" pitchFamily="34" charset="0"/>
-              <a:cs typeface="Arial" panose="020B0604020202020204" pitchFamily="34" charset="0"/>
-            </a:endParaRPr>
-          </a:p>
-          <a:p>
-            <a:pPr marL="0" indent="0">
-              <a:buNone/>
-            </a:pPr>
-            <a:r>
-              <a:rPr lang="fr-CA" sz="1300" cap="none" dirty="0">
-                <a:latin typeface="Arial" panose="020B0604020202020204" pitchFamily="34" charset="0"/>
-                <a:cs typeface="Arial" panose="020B0604020202020204" pitchFamily="34" charset="0"/>
-              </a:rPr>
-              <a:t>(Dans la vidéo, le son de l’indicateur sonore </a:t>
-            </a:r>
-            <a:r>
-              <a:rPr lang="fr-CA" sz="1300" cap="none">
-                <a:latin typeface="Arial" panose="020B0604020202020204" pitchFamily="34" charset="0"/>
-                <a:cs typeface="Arial" panose="020B0604020202020204" pitchFamily="34" charset="0"/>
-              </a:rPr>
-              <a:t>ou buzzer est </a:t>
-            </a:r>
-            <a:r>
-              <a:rPr lang="fr-CA" sz="1300" cap="none" dirty="0">
-                <a:latin typeface="Arial" panose="020B0604020202020204" pitchFamily="34" charset="0"/>
-                <a:cs typeface="Arial" panose="020B0604020202020204" pitchFamily="34" charset="0"/>
-              </a:rPr>
-              <a:t>très faible quand tu es proche de la cible, mais il est vraiment là </a:t>
-            </a:r>
-            <a:r>
-              <a:rPr lang="fr-CA" sz="1300" cap="none" dirty="0">
-                <a:latin typeface="Arial" panose="020B0604020202020204" pitchFamily="34" charset="0"/>
-                <a:cs typeface="Arial" panose="020B0604020202020204" pitchFamily="34" charset="0"/>
-                <a:sym typeface="Wingdings" panose="05000000000000000000" pitchFamily="2" charset="2"/>
-              </a:rPr>
-              <a:t></a:t>
-            </a:r>
-            <a:r>
-              <a:rPr lang="fr-CA" sz="1300" cap="none" dirty="0">
-                <a:latin typeface="Arial" panose="020B0604020202020204" pitchFamily="34" charset="0"/>
-                <a:cs typeface="Arial" panose="020B0604020202020204" pitchFamily="34" charset="0"/>
-              </a:rPr>
-              <a:t>)</a:t>
-            </a:r>
-            <a:endParaRPr sz="1300" cap="none" dirty="0">
               <a:latin typeface="Arial" panose="020B0604020202020204" pitchFamily="34" charset="0"/>
               <a:cs typeface="Arial" panose="020B0604020202020204" pitchFamily="34" charset="0"/>
             </a:endParaRPr>
